--- a/Capstone - A new restaurant in Birmingham, UK.pptx
+++ b/Capstone - A new restaurant in Birmingham, UK.pptx
@@ -4218,20 +4218,18 @@
           <a:p>
             <a:r>
               <a:rPr lang="en-GB" dirty="0"/>
-              <a:t>Birmingham is a very diversity city with a good amount of restaurants, and even though the most popular cuisine is Indian, there are many cuisines to explore in the area from different areas of Europe, Asia and even America.</a:t>
-            </a:r>
-          </a:p>
-          <a:p>
-            <a:r>
-              <a:rPr lang="en-GB" dirty="0"/>
-              <a:t>Using the Foursquare API and machine learning to cluster the neighbourhoods allowed to provide insights on what are public preferences and also the best areas to invest.</a:t>
-            </a:r>
-          </a:p>
-          <a:p>
-            <a:pPr marL="0" indent="0">
-              <a:buNone/>
-            </a:pPr>
-            <a:endParaRPr lang="en-GB" dirty="0"/>
+              <a:t>Birmingham is a very diverse city with a good amount of restaurants, and even though the most popular cuisine is Indian, there are many cuisines to explore in the area from different areas of Europe, Asia and even America.</a:t>
+            </a:r>
+          </a:p>
+          <a:p>
+            <a:r>
+              <a:rPr lang="en-GB" smtClean="0"/>
+              <a:t>Using </a:t>
+            </a:r>
+            <a:r>
+              <a:rPr lang="en-GB"/>
+              <a:t>the Foursquare API and machine learning to cluster the neighbourhoods allowed to provide insights on what are public preferences and also the best areas to invest.</a:t>
+            </a:r>
           </a:p>
         </p:txBody>
       </p:sp>
@@ -4940,8 +4938,8 @@
               <a:t>investor wants to open a restaurant in a well </a:t>
             </a:r>
             <a:r>
-              <a:rPr lang="en-GB" dirty="0" smtClean="0"/>
-              <a:t>stabilised </a:t>
+              <a:rPr lang="en-GB" dirty="0"/>
+              <a:t>established </a:t>
             </a:r>
             <a:r>
               <a:rPr lang="en-GB" dirty="0"/>
